--- a/R/Data Exploration Project/Presentation.pptx
+++ b/R/Data Exploration Project/Presentation.pptx
@@ -115,6 +115,14 @@
       </a:defRPr>
     </a:lvl9pPr>
   </p:defaultTextStyle>
+  <p:extLst>
+    <p:ext uri="{EFAFB233-063F-42B5-8137-9DF3F51BA10A}">
+      <p15:sldGuideLst xmlns:p15="http://schemas.microsoft.com/office/powerpoint/2012/main"/>
+    </p:ext>
+    <p:ext uri="{2D200454-40CA-4A62-9FC3-DE9A4176ACB9}">
+      <p15:notesGuideLst xmlns:p15="http://schemas.microsoft.com/office/powerpoint/2012/main"/>
+    </p:ext>
+  </p:extLst>
 </p:presentation>
 </file>
 
@@ -212,7 +220,7 @@
           <a:p>
             <a:fld id="{5FC18AC8-00DE-4DBC-8675-280312D01CB7}" type="datetimeFigureOut">
               <a:rPr lang="en-US" smtClean="0"/>
-              <a:t>12/7/2020</a:t>
+              <a:t>12/10/2020</a:t>
             </a:fld>
             <a:endParaRPr lang="en-US" dirty="0"/>
           </a:p>
@@ -1173,6 +1181,15 @@
               <a:t>I believe this means there is an ever so slight positive correlation between background checks and firearm homicide rates but no where near enough of a correlation to call it conclusive. The actual number is so small it is basically zero. </a:t>
             </a:r>
           </a:p>
+          <a:p>
+            <a:endParaRPr lang="en-US" dirty="0"/>
+          </a:p>
+          <a:p>
+            <a:r>
+              <a:rPr lang="en-US" dirty="0"/>
+              <a:t>If I realized how long it would take to get the data that I initially wanted, I would have tried to submit the Freedom of Information act request earlier. </a:t>
+            </a:r>
+          </a:p>
         </p:txBody>
       </p:sp>
       <p:sp>
@@ -1342,7 +1359,7 @@
           <a:p>
             <a:fld id="{DF5237C5-D93E-4D5E-97ED-7F93F8B61A25}" type="datetimeFigureOut">
               <a:rPr lang="en-US" smtClean="0"/>
-              <a:t>12/5/2020</a:t>
+              <a:t>12/10/2020</a:t>
             </a:fld>
             <a:endParaRPr lang="en-US" dirty="0"/>
           </a:p>
@@ -1512,7 +1529,7 @@
           <a:p>
             <a:fld id="{DF5237C5-D93E-4D5E-97ED-7F93F8B61A25}" type="datetimeFigureOut">
               <a:rPr lang="en-US" smtClean="0"/>
-              <a:t>12/5/2020</a:t>
+              <a:t>12/10/2020</a:t>
             </a:fld>
             <a:endParaRPr lang="en-US" dirty="0"/>
           </a:p>
@@ -1692,7 +1709,7 @@
           <a:p>
             <a:fld id="{DF5237C5-D93E-4D5E-97ED-7F93F8B61A25}" type="datetimeFigureOut">
               <a:rPr lang="en-US" smtClean="0"/>
-              <a:t>12/5/2020</a:t>
+              <a:t>12/10/2020</a:t>
             </a:fld>
             <a:endParaRPr lang="en-US" dirty="0"/>
           </a:p>
@@ -1862,7 +1879,7 @@
           <a:p>
             <a:fld id="{DF5237C5-D93E-4D5E-97ED-7F93F8B61A25}" type="datetimeFigureOut">
               <a:rPr lang="en-US" smtClean="0"/>
-              <a:t>12/5/2020</a:t>
+              <a:t>12/10/2020</a:t>
             </a:fld>
             <a:endParaRPr lang="en-US" dirty="0"/>
           </a:p>
@@ -2108,7 +2125,7 @@
           <a:p>
             <a:fld id="{DF5237C5-D93E-4D5E-97ED-7F93F8B61A25}" type="datetimeFigureOut">
               <a:rPr lang="en-US" smtClean="0"/>
-              <a:t>12/5/2020</a:t>
+              <a:t>12/10/2020</a:t>
             </a:fld>
             <a:endParaRPr lang="en-US" dirty="0"/>
           </a:p>
@@ -2340,7 +2357,7 @@
           <a:p>
             <a:fld id="{DF5237C5-D93E-4D5E-97ED-7F93F8B61A25}" type="datetimeFigureOut">
               <a:rPr lang="en-US" smtClean="0"/>
-              <a:t>12/5/2020</a:t>
+              <a:t>12/10/2020</a:t>
             </a:fld>
             <a:endParaRPr lang="en-US" dirty="0"/>
           </a:p>
@@ -2707,7 +2724,7 @@
           <a:p>
             <a:fld id="{DF5237C5-D93E-4D5E-97ED-7F93F8B61A25}" type="datetimeFigureOut">
               <a:rPr lang="en-US" smtClean="0"/>
-              <a:t>12/5/2020</a:t>
+              <a:t>12/10/2020</a:t>
             </a:fld>
             <a:endParaRPr lang="en-US" dirty="0"/>
           </a:p>
@@ -2825,7 +2842,7 @@
           <a:p>
             <a:fld id="{DF5237C5-D93E-4D5E-97ED-7F93F8B61A25}" type="datetimeFigureOut">
               <a:rPr lang="en-US" smtClean="0"/>
-              <a:t>12/5/2020</a:t>
+              <a:t>12/10/2020</a:t>
             </a:fld>
             <a:endParaRPr lang="en-US" dirty="0"/>
           </a:p>
@@ -2920,7 +2937,7 @@
           <a:p>
             <a:fld id="{DF5237C5-D93E-4D5E-97ED-7F93F8B61A25}" type="datetimeFigureOut">
               <a:rPr lang="en-US" smtClean="0"/>
-              <a:t>12/5/2020</a:t>
+              <a:t>12/10/2020</a:t>
             </a:fld>
             <a:endParaRPr lang="en-US" dirty="0"/>
           </a:p>
@@ -3197,7 +3214,7 @@
           <a:p>
             <a:fld id="{DF5237C5-D93E-4D5E-97ED-7F93F8B61A25}" type="datetimeFigureOut">
               <a:rPr lang="en-US" smtClean="0"/>
-              <a:t>12/5/2020</a:t>
+              <a:t>12/10/2020</a:t>
             </a:fld>
             <a:endParaRPr lang="en-US" dirty="0"/>
           </a:p>
@@ -3453,7 +3470,7 @@
           <a:p>
             <a:fld id="{DF5237C5-D93E-4D5E-97ED-7F93F8B61A25}" type="datetimeFigureOut">
               <a:rPr lang="en-US" smtClean="0"/>
-              <a:t>12/5/2020</a:t>
+              <a:t>12/10/2020</a:t>
             </a:fld>
             <a:endParaRPr lang="en-US" dirty="0"/>
           </a:p>
@@ -3666,7 +3683,7 @@
           <a:p>
             <a:fld id="{DF5237C5-D93E-4D5E-97ED-7F93F8B61A25}" type="datetimeFigureOut">
               <a:rPr lang="en-US" smtClean="0"/>
-              <a:t>12/5/2020</a:t>
+              <a:t>12/10/2020</a:t>
             </a:fld>
             <a:endParaRPr lang="en-US" dirty="0"/>
           </a:p>
